--- a/Web pages Automation techniques.pptx
+++ b/Web pages Automation techniques.pptx
@@ -14,7 +14,6 @@
     <p:sldId id="266" r:id="rId9"/>
     <p:sldId id="267" r:id="rId10"/>
     <p:sldId id="268" r:id="rId11"/>
-    <p:sldId id="269" r:id="rId12"/>
   </p:sldIdLst>
   <p:sldSz cx="12192000" cy="6858000"/>
   <p:notesSz cx="6858000" cy="9144000"/>
@@ -3429,68 +3428,6 @@
               <a:latin typeface="Calibri" panose="020F0502020204030204" charset="0"/>
               <a:cs typeface="Calibri" panose="020F0502020204030204" charset="0"/>
             </a:endParaRPr>
-          </a:p>
-        </p:txBody>
-      </p:sp>
-    </p:spTree>
-  </p:cSld>
-  <p:clrMapOvr>
-    <a:masterClrMapping/>
-  </p:clrMapOvr>
-</p:sld>
-</file>
-
-<file path=ppt/slides/slide10.xml><?xml version="1.0" encoding="utf-8"?>
-<p:sld xmlns:a="http://schemas.openxmlformats.org/drawingml/2006/main" xmlns:r="http://schemas.openxmlformats.org/officeDocument/2006/relationships" xmlns:p="http://schemas.openxmlformats.org/presentationml/2006/main">
-  <p:cSld>
-    <p:spTree>
-      <p:nvGrpSpPr>
-        <p:cNvPr id="1" name=""/>
-        <p:cNvGrpSpPr/>
-        <p:nvPr/>
-      </p:nvGrpSpPr>
-      <p:grpSpPr/>
-      <p:sp>
-        <p:nvSpPr>
-          <p:cNvPr id="2" name="Title 1"/>
-          <p:cNvSpPr>
-            <a:spLocks noGrp="1"/>
-          </p:cNvSpPr>
-          <p:nvPr>
-            <p:ph type="title"/>
-          </p:nvPr>
-        </p:nvSpPr>
-        <p:spPr/>
-        <p:txBody>
-          <a:bodyPr/>
-          <a:p>
-            <a:r>
-              <a:rPr lang="en-IN" altLang="en-US"/>
-              <a:t>Alert Handling</a:t>
-            </a:r>
-            <a:endParaRPr lang="en-IN" altLang="en-US"/>
-          </a:p>
-        </p:txBody>
-      </p:sp>
-      <p:sp>
-        <p:nvSpPr>
-          <p:cNvPr id="3" name="Content Placeholder 2"/>
-          <p:cNvSpPr>
-            <a:spLocks noGrp="1"/>
-          </p:cNvSpPr>
-          <p:nvPr>
-            <p:ph idx="1"/>
-          </p:nvPr>
-        </p:nvSpPr>
-        <p:spPr/>
-        <p:txBody>
-          <a:bodyPr/>
-          <a:p>
-            <a:r>
-              <a:rPr lang="en-IN" altLang="en-US"/>
-              <a:t>Alerts are those </a:t>
-            </a:r>
-            <a:endParaRPr lang="en-IN" altLang="en-US"/>
           </a:p>
         </p:txBody>
       </p:sp>
